--- a/final/preproc_intro/intro.pptx
+++ b/final/preproc_intro/intro.pptx
@@ -117,6 +117,11 @@
       </a:defRPr>
     </a:lvl9pPr>
   </p:defaultTextStyle>
+  <p:extLst>
+    <p:ext uri="{EFAFB233-063F-42B5-8137-9DF3F51BA10A}">
+      <p15:sldGuideLst xmlns:p15="http://schemas.microsoft.com/office/powerpoint/2012/main"/>
+    </p:ext>
+  </p:extLst>
 </p:presentation>
 </file>
 
@@ -455,7 +460,7 @@
           <a:p>
             <a:fld id="{F7817773-BD25-481F-B12D-8F8C609FB1CA}" type="datetimeFigureOut">
               <a:rPr lang="en-US" smtClean="0"/>
-              <a:t>8/6/2020</a:t>
+              <a:t>8/12/2020</a:t>
             </a:fld>
             <a:endParaRPr lang="en-US"/>
           </a:p>
@@ -1543,7 +1548,7 @@
           <a:p>
             <a:fld id="{F7817773-BD25-481F-B12D-8F8C609FB1CA}" type="datetimeFigureOut">
               <a:rPr lang="en-US" smtClean="0"/>
-              <a:t>8/6/2020</a:t>
+              <a:t>8/12/2020</a:t>
             </a:fld>
             <a:endParaRPr lang="en-US"/>
           </a:p>
@@ -2523,7 +2528,7 @@
           <a:p>
             <a:fld id="{F7817773-BD25-481F-B12D-8F8C609FB1CA}" type="datetimeFigureOut">
               <a:rPr lang="en-US" smtClean="0"/>
-              <a:t>8/6/2020</a:t>
+              <a:t>8/12/2020</a:t>
             </a:fld>
             <a:endParaRPr lang="en-US"/>
           </a:p>
@@ -3657,7 +3662,7 @@
           <a:p>
             <a:fld id="{F7817773-BD25-481F-B12D-8F8C609FB1CA}" type="datetimeFigureOut">
               <a:rPr lang="en-US" smtClean="0"/>
-              <a:t>8/6/2020</a:t>
+              <a:t>8/12/2020</a:t>
             </a:fld>
             <a:endParaRPr lang="en-US"/>
           </a:p>
@@ -4690,7 +4695,7 @@
           <a:p>
             <a:fld id="{F7817773-BD25-481F-B12D-8F8C609FB1CA}" type="datetimeFigureOut">
               <a:rPr lang="en-US" smtClean="0"/>
-              <a:t>8/6/2020</a:t>
+              <a:t>8/12/2020</a:t>
             </a:fld>
             <a:endParaRPr lang="en-US"/>
           </a:p>
@@ -5350,7 +5355,7 @@
           <a:p>
             <a:fld id="{F7817773-BD25-481F-B12D-8F8C609FB1CA}" type="datetimeFigureOut">
               <a:rPr lang="en-US" smtClean="0"/>
-              <a:t>8/6/2020</a:t>
+              <a:t>8/12/2020</a:t>
             </a:fld>
             <a:endParaRPr lang="en-US"/>
           </a:p>
@@ -6211,7 +6216,7 @@
           <a:p>
             <a:fld id="{F7817773-BD25-481F-B12D-8F8C609FB1CA}" type="datetimeFigureOut">
               <a:rPr lang="en-US" smtClean="0"/>
-              <a:t>8/6/2020</a:t>
+              <a:t>8/12/2020</a:t>
             </a:fld>
             <a:endParaRPr lang="en-US"/>
           </a:p>
@@ -6401,7 +6406,7 @@
           <a:p>
             <a:fld id="{F7817773-BD25-481F-B12D-8F8C609FB1CA}" type="datetimeFigureOut">
               <a:rPr lang="en-US" smtClean="0"/>
-              <a:t>8/6/2020</a:t>
+              <a:t>8/12/2020</a:t>
             </a:fld>
             <a:endParaRPr lang="en-US"/>
           </a:p>
@@ -7373,7 +7378,7 @@
           <a:p>
             <a:fld id="{F7817773-BD25-481F-B12D-8F8C609FB1CA}" type="datetimeFigureOut">
               <a:rPr lang="en-US" smtClean="0"/>
-              <a:t>8/6/2020</a:t>
+              <a:t>8/12/2020</a:t>
             </a:fld>
             <a:endParaRPr lang="en-US"/>
           </a:p>
@@ -7584,7 +7589,7 @@
           <a:p>
             <a:fld id="{F7817773-BD25-481F-B12D-8F8C609FB1CA}" type="datetimeFigureOut">
               <a:rPr lang="en-US" smtClean="0"/>
-              <a:t>8/6/2020</a:t>
+              <a:t>8/12/2020</a:t>
             </a:fld>
             <a:endParaRPr lang="en-US"/>
           </a:p>
@@ -8618,7 +8623,7 @@
           <a:p>
             <a:fld id="{F7817773-BD25-481F-B12D-8F8C609FB1CA}" type="datetimeFigureOut">
               <a:rPr lang="en-US" smtClean="0"/>
-              <a:t>8/6/2020</a:t>
+              <a:t>8/12/2020</a:t>
             </a:fld>
             <a:endParaRPr lang="en-US"/>
           </a:p>
@@ -8890,7 +8895,7 @@
           <a:p>
             <a:fld id="{F7817773-BD25-481F-B12D-8F8C609FB1CA}" type="datetimeFigureOut">
               <a:rPr lang="en-US" smtClean="0"/>
-              <a:t>8/6/2020</a:t>
+              <a:t>8/12/2020</a:t>
             </a:fld>
             <a:endParaRPr lang="en-US"/>
           </a:p>
@@ -9300,7 +9305,7 @@
           <a:p>
             <a:fld id="{F7817773-BD25-481F-B12D-8F8C609FB1CA}" type="datetimeFigureOut">
               <a:rPr lang="en-US" smtClean="0"/>
-              <a:t>8/6/2020</a:t>
+              <a:t>8/12/2020</a:t>
             </a:fld>
             <a:endParaRPr lang="en-US"/>
           </a:p>
@@ -9427,7 +9432,7 @@
           <a:p>
             <a:fld id="{F7817773-BD25-481F-B12D-8F8C609FB1CA}" type="datetimeFigureOut">
               <a:rPr lang="en-US" smtClean="0"/>
-              <a:t>8/6/2020</a:t>
+              <a:t>8/12/2020</a:t>
             </a:fld>
             <a:endParaRPr lang="en-US"/>
           </a:p>
@@ -9522,7 +9527,7 @@
           <a:p>
             <a:fld id="{F7817773-BD25-481F-B12D-8F8C609FB1CA}" type="datetimeFigureOut">
               <a:rPr lang="en-US" smtClean="0"/>
-              <a:t>8/6/2020</a:t>
+              <a:t>8/12/2020</a:t>
             </a:fld>
             <a:endParaRPr lang="en-US"/>
           </a:p>
@@ -10603,7 +10608,7 @@
           <a:p>
             <a:fld id="{F7817773-BD25-481F-B12D-8F8C609FB1CA}" type="datetimeFigureOut">
               <a:rPr lang="en-US" smtClean="0"/>
-              <a:t>8/6/2020</a:t>
+              <a:t>8/12/2020</a:t>
             </a:fld>
             <a:endParaRPr lang="en-US"/>
           </a:p>
@@ -11711,7 +11716,7 @@
           <a:p>
             <a:fld id="{F7817773-BD25-481F-B12D-8F8C609FB1CA}" type="datetimeFigureOut">
               <a:rPr lang="en-US" smtClean="0"/>
-              <a:t>8/6/2020</a:t>
+              <a:t>8/12/2020</a:t>
             </a:fld>
             <a:endParaRPr lang="en-US"/>
           </a:p>
@@ -12708,7 +12713,7 @@
           <a:p>
             <a:fld id="{F7817773-BD25-481F-B12D-8F8C609FB1CA}" type="datetimeFigureOut">
               <a:rPr lang="en-US" smtClean="0"/>
-              <a:t>8/6/2020</a:t>
+              <a:t>8/12/2020</a:t>
             </a:fld>
             <a:endParaRPr lang="en-US"/>
           </a:p>
@@ -13338,6 +13343,13 @@
   <p:clrMapOvr>
     <a:masterClrMapping/>
   </p:clrMapOvr>
+  <p:timing>
+    <p:tnLst>
+      <p:par>
+        <p:cTn id="1" dur="indefinite" restart="never" nodeType="tmRoot"/>
+      </p:par>
+    </p:tnLst>
+  </p:timing>
 </p:sld>
 </file>
 
@@ -13490,6 +13502,13 @@
   <p:clrMapOvr>
     <a:masterClrMapping/>
   </p:clrMapOvr>
+  <p:timing>
+    <p:tnLst>
+      <p:par>
+        <p:cTn id="1" dur="indefinite" restart="never" nodeType="tmRoot"/>
+      </p:par>
+    </p:tnLst>
+  </p:timing>
 </p:sld>
 </file>
 
@@ -13606,6 +13625,13 @@
   <p:clrMapOvr>
     <a:masterClrMapping/>
   </p:clrMapOvr>
+  <p:timing>
+    <p:tnLst>
+      <p:par>
+        <p:cTn id="1" dur="indefinite" restart="never" nodeType="tmRoot"/>
+      </p:par>
+    </p:tnLst>
+  </p:timing>
 </p:sld>
 </file>
 
@@ -13977,6 +14003,13 @@
   <p:clrMapOvr>
     <a:masterClrMapping/>
   </p:clrMapOvr>
+  <p:timing>
+    <p:tnLst>
+      <p:par>
+        <p:cTn id="1" dur="indefinite" restart="never" nodeType="tmRoot"/>
+      </p:par>
+    </p:tnLst>
+  </p:timing>
 </p:sld>
 </file>
 
@@ -14148,6 +14181,13 @@
   <p:clrMapOvr>
     <a:masterClrMapping/>
   </p:clrMapOvr>
+  <p:timing>
+    <p:tnLst>
+      <p:par>
+        <p:cTn id="1" dur="indefinite" restart="never" nodeType="tmRoot"/>
+      </p:par>
+    </p:tnLst>
+  </p:timing>
 </p:sld>
 </file>
 
@@ -14250,7 +14290,6 @@
               <a:rPr lang="en-US" dirty="0"/>
               <a:t>. 2019;15(6):e8746. Published 2019 Jun 19. doi:10.15252/msb.20188746</a:t>
             </a:r>
-            <a:endParaRPr lang="en-US" dirty="0"/>
           </a:p>
         </p:txBody>
       </p:sp>
@@ -14264,6 +14303,13 @@
   <p:clrMapOvr>
     <a:masterClrMapping/>
   </p:clrMapOvr>
+  <p:timing>
+    <p:tnLst>
+      <p:par>
+        <p:cTn id="1" dur="indefinite" restart="never" nodeType="tmRoot"/>
+      </p:par>
+    </p:tnLst>
+  </p:timing>
 </p:sld>
 </file>
 
@@ -14407,6 +14453,13 @@
   <p:clrMapOvr>
     <a:masterClrMapping/>
   </p:clrMapOvr>
+  <p:timing>
+    <p:tnLst>
+      <p:par>
+        <p:cTn id="1" dur="indefinite" restart="never" nodeType="tmRoot"/>
+      </p:par>
+    </p:tnLst>
+  </p:timing>
 </p:sld>
 </file>
 
@@ -14589,6 +14642,13 @@
   <p:clrMapOvr>
     <a:masterClrMapping/>
   </p:clrMapOvr>
+  <p:timing>
+    <p:tnLst>
+      <p:par>
+        <p:cTn id="1" dur="indefinite" restart="never" nodeType="tmRoot"/>
+      </p:par>
+    </p:tnLst>
+  </p:timing>
 </p:sld>
 </file>
 
@@ -14688,6 +14748,13 @@
   <p:clrMapOvr>
     <a:masterClrMapping/>
   </p:clrMapOvr>
+  <p:timing>
+    <p:tnLst>
+      <p:par>
+        <p:cTn id="1" dur="indefinite" restart="never" nodeType="tmRoot"/>
+      </p:par>
+    </p:tnLst>
+  </p:timing>
 </p:sld>
 </file>
 
@@ -14876,6 +14943,13 @@
   <p:clrMapOvr>
     <a:masterClrMapping/>
   </p:clrMapOvr>
+  <p:timing>
+    <p:tnLst>
+      <p:par>
+        <p:cTn id="1" dur="indefinite" restart="never" nodeType="tmRoot"/>
+      </p:par>
+    </p:tnLst>
+  </p:timing>
 </p:sld>
 </file>
 
@@ -14999,6 +15073,13 @@
   <p:clrMapOvr>
     <a:masterClrMapping/>
   </p:clrMapOvr>
+  <p:timing>
+    <p:tnLst>
+      <p:par>
+        <p:cTn id="1" dur="indefinite" restart="never" nodeType="tmRoot"/>
+      </p:par>
+    </p:tnLst>
+  </p:timing>
 </p:sld>
 </file>
 
@@ -15162,6 +15243,13 @@
   <p:clrMapOvr>
     <a:masterClrMapping/>
   </p:clrMapOvr>
+  <p:timing>
+    <p:tnLst>
+      <p:par>
+        <p:cTn id="1" dur="indefinite" restart="never" nodeType="tmRoot"/>
+      </p:par>
+    </p:tnLst>
+  </p:timing>
 </p:sld>
 </file>
 
@@ -15312,11 +15400,7 @@
           <a:p>
             <a:r>
               <a:rPr lang="en-US" dirty="0" smtClean="0"/>
-              <a:t>Histogram of count depth distribution for </a:t>
-            </a:r>
-            <a:r>
-              <a:rPr lang="en-US" dirty="0" smtClean="0"/>
-              <a:t>cells – X-axis: count depth, Y-axis: # cells</a:t>
+              <a:t>Histogram of count depth distribution for cells – X-axis: count depth, Y-axis: # cells</a:t>
             </a:r>
             <a:endParaRPr lang="en-US" dirty="0"/>
           </a:p>
@@ -15332,6 +15416,13 @@
   <p:clrMapOvr>
     <a:masterClrMapping/>
   </p:clrMapOvr>
+  <p:timing>
+    <p:tnLst>
+      <p:par>
+        <p:cTn id="1" dur="indefinite" restart="never" nodeType="tmRoot"/>
+      </p:par>
+    </p:tnLst>
+  </p:timing>
 </p:sld>
 </file>
 
@@ -15513,11 +15604,7 @@
           <a:p>
             <a:r>
               <a:rPr lang="en-US" dirty="0" smtClean="0"/>
-              <a:t>% MT expression before </a:t>
-            </a:r>
-            <a:r>
-              <a:rPr lang="en-US" dirty="0" smtClean="0"/>
-              <a:t>QC</a:t>
+              <a:t>% MT expression before QC</a:t>
             </a:r>
             <a:endParaRPr lang="en-US" dirty="0"/>
           </a:p>
@@ -15547,19 +15634,7 @@
           <a:p>
             <a:r>
               <a:rPr lang="en-US" dirty="0" smtClean="0"/>
-              <a:t>% </a:t>
-            </a:r>
-            <a:r>
-              <a:rPr lang="en-US" dirty="0" smtClean="0"/>
-              <a:t>MT expression </a:t>
-            </a:r>
-            <a:r>
-              <a:rPr lang="en-US" dirty="0" smtClean="0"/>
-              <a:t>after </a:t>
-            </a:r>
-            <a:r>
-              <a:rPr lang="en-US" dirty="0" smtClean="0"/>
-              <a:t>QC</a:t>
+              <a:t>% MT expression after QC</a:t>
             </a:r>
             <a:endParaRPr lang="en-US" dirty="0"/>
           </a:p>
@@ -15575,6 +15650,13 @@
   <p:clrMapOvr>
     <a:masterClrMapping/>
   </p:clrMapOvr>
+  <p:timing>
+    <p:tnLst>
+      <p:par>
+        <p:cTn id="1" dur="indefinite" restart="never" nodeType="tmRoot"/>
+      </p:par>
+    </p:tnLst>
+  </p:timing>
 </p:sld>
 </file>
 
